--- a/Presentation - CICD Proposal.pptx
+++ b/Presentation - CICD Proposal.pptx
@@ -109,6 +109,11 @@
       </a:defRPr>
     </a:lvl9pPr>
   </p:defaultTextStyle>
+  <p:extLst>
+    <p:ext uri="{EFAFB233-063F-42B5-8137-9DF3F51BA10A}">
+      <p15:sldGuideLst xmlns:p15="http://schemas.microsoft.com/office/powerpoint/2012/main"/>
+    </p:ext>
+  </p:extLst>
 </p:presentation>
 </file>
 
@@ -243,7 +248,7 @@
           <a:p>
             <a:fld id="{478819E6-78AD-4F4D-8B83-BAF71CB7698A}" type="datetimeFigureOut">
               <a:rPr lang="fr-FR" smtClean="0"/>
-              <a:t>24/11/2020</a:t>
+              <a:t>25/11/2020</a:t>
             </a:fld>
             <a:endParaRPr lang="fr-FR"/>
           </a:p>
@@ -413,7 +418,7 @@
           <a:p>
             <a:fld id="{478819E6-78AD-4F4D-8B83-BAF71CB7698A}" type="datetimeFigureOut">
               <a:rPr lang="fr-FR" smtClean="0"/>
-              <a:t>24/11/2020</a:t>
+              <a:t>25/11/2020</a:t>
             </a:fld>
             <a:endParaRPr lang="fr-FR"/>
           </a:p>
@@ -593,7 +598,7 @@
           <a:p>
             <a:fld id="{478819E6-78AD-4F4D-8B83-BAF71CB7698A}" type="datetimeFigureOut">
               <a:rPr lang="fr-FR" smtClean="0"/>
-              <a:t>24/11/2020</a:t>
+              <a:t>25/11/2020</a:t>
             </a:fld>
             <a:endParaRPr lang="fr-FR"/>
           </a:p>
@@ -763,7 +768,7 @@
           <a:p>
             <a:fld id="{478819E6-78AD-4F4D-8B83-BAF71CB7698A}" type="datetimeFigureOut">
               <a:rPr lang="fr-FR" smtClean="0"/>
-              <a:t>24/11/2020</a:t>
+              <a:t>25/11/2020</a:t>
             </a:fld>
             <a:endParaRPr lang="fr-FR"/>
           </a:p>
@@ -1009,7 +1014,7 @@
           <a:p>
             <a:fld id="{478819E6-78AD-4F4D-8B83-BAF71CB7698A}" type="datetimeFigureOut">
               <a:rPr lang="fr-FR" smtClean="0"/>
-              <a:t>24/11/2020</a:t>
+              <a:t>25/11/2020</a:t>
             </a:fld>
             <a:endParaRPr lang="fr-FR"/>
           </a:p>
@@ -1241,7 +1246,7 @@
           <a:p>
             <a:fld id="{478819E6-78AD-4F4D-8B83-BAF71CB7698A}" type="datetimeFigureOut">
               <a:rPr lang="fr-FR" smtClean="0"/>
-              <a:t>24/11/2020</a:t>
+              <a:t>25/11/2020</a:t>
             </a:fld>
             <a:endParaRPr lang="fr-FR"/>
           </a:p>
@@ -1613,7 +1618,7 @@
           <a:p>
             <a:fld id="{478819E6-78AD-4F4D-8B83-BAF71CB7698A}" type="datetimeFigureOut">
               <a:rPr lang="fr-FR" smtClean="0"/>
-              <a:t>24/11/2020</a:t>
+              <a:t>25/11/2020</a:t>
             </a:fld>
             <a:endParaRPr lang="fr-FR"/>
           </a:p>
@@ -1736,7 +1741,7 @@
           <a:p>
             <a:fld id="{478819E6-78AD-4F4D-8B83-BAF71CB7698A}" type="datetimeFigureOut">
               <a:rPr lang="fr-FR" smtClean="0"/>
-              <a:t>24/11/2020</a:t>
+              <a:t>25/11/2020</a:t>
             </a:fld>
             <a:endParaRPr lang="fr-FR"/>
           </a:p>
@@ -1831,7 +1836,7 @@
           <a:p>
             <a:fld id="{478819E6-78AD-4F4D-8B83-BAF71CB7698A}" type="datetimeFigureOut">
               <a:rPr lang="fr-FR" smtClean="0"/>
-              <a:t>24/11/2020</a:t>
+              <a:t>25/11/2020</a:t>
             </a:fld>
             <a:endParaRPr lang="fr-FR"/>
           </a:p>
@@ -2108,7 +2113,7 @@
           <a:p>
             <a:fld id="{478819E6-78AD-4F4D-8B83-BAF71CB7698A}" type="datetimeFigureOut">
               <a:rPr lang="fr-FR" smtClean="0"/>
-              <a:t>24/11/2020</a:t>
+              <a:t>25/11/2020</a:t>
             </a:fld>
             <a:endParaRPr lang="fr-FR"/>
           </a:p>
@@ -2366,7 +2371,7 @@
           <a:p>
             <a:fld id="{478819E6-78AD-4F4D-8B83-BAF71CB7698A}" type="datetimeFigureOut">
               <a:rPr lang="fr-FR" smtClean="0"/>
-              <a:t>24/11/2020</a:t>
+              <a:t>25/11/2020</a:t>
             </a:fld>
             <a:endParaRPr lang="fr-FR"/>
           </a:p>
@@ -2579,7 +2584,7 @@
           <a:p>
             <a:fld id="{478819E6-78AD-4F4D-8B83-BAF71CB7698A}" type="datetimeFigureOut">
               <a:rPr lang="fr-FR" smtClean="0"/>
-              <a:t>24/11/2020</a:t>
+              <a:t>25/11/2020</a:t>
             </a:fld>
             <a:endParaRPr lang="fr-FR"/>
           </a:p>
@@ -3494,7 +3499,7 @@
         </p:nvSpPr>
         <p:spPr>
           <a:xfrm>
-            <a:off x="4501314" y="1502147"/>
+            <a:off x="4188225" y="1485819"/>
             <a:ext cx="4240520" cy="1015663"/>
           </a:xfrm>
           <a:prstGeom prst="rect">
